--- a/Presentation.pptx
+++ b/Presentation.pptx
@@ -271,7 +271,7 @@
           <a:noFill/>
           <a:extLst>
             <a:ext uri="{909E8E84-426E-40dd-AFC4-6F175D3DCCD1}">
-              <a14:hiddenFill xmlns:a14="http://schemas.microsoft.com/office/drawing/2010/main" xmlns="">
+              <a14:hiddenFill xmlns="" xmlns:a14="http://schemas.microsoft.com/office/drawing/2010/main">
                 <a:solidFill>
                   <a:srgbClr val="FFFFFF"/>
                 </a:solidFill>
@@ -331,7 +331,7 @@
             </a:ln>
             <a:extLst>
               <a:ext uri="{91240B29-F687-4f45-9708-019B960494DF}">
-                <a14:hiddenLine xmlns:a14="http://schemas.microsoft.com/office/drawing/2010/main" xmlns="" w="9525">
+                <a14:hiddenLine xmlns="" xmlns:a14="http://schemas.microsoft.com/office/drawing/2010/main" w="9525">
                   <a:solidFill>
                     <a:srgbClr val="000000"/>
                   </a:solidFill>
@@ -342,6 +342,13 @@
               </a:ext>
             </a:extLst>
           </p:spPr>
+          <p:txBody>
+            <a:bodyPr/>
+            <a:lstStyle/>
+            <a:p>
+              <a:endParaRPr lang="en-IN"/>
+            </a:p>
+          </p:txBody>
         </p:sp>
         <p:sp>
           <p:nvSpPr>
@@ -421,7 +428,7 @@
             </a:ln>
             <a:extLst>
               <a:ext uri="{91240B29-F687-4f45-9708-019B960494DF}">
-                <a14:hiddenLine xmlns:a14="http://schemas.microsoft.com/office/drawing/2010/main" xmlns="" w="9525">
+                <a14:hiddenLine xmlns="" xmlns:a14="http://schemas.microsoft.com/office/drawing/2010/main" w="9525">
                   <a:solidFill>
                     <a:srgbClr val="000000"/>
                   </a:solidFill>
@@ -432,6 +439,13 @@
               </a:ext>
             </a:extLst>
           </p:spPr>
+          <p:txBody>
+            <a:bodyPr/>
+            <a:lstStyle/>
+            <a:p>
+              <a:endParaRPr lang="en-IN"/>
+            </a:p>
+          </p:txBody>
         </p:sp>
         <p:sp>
           <p:nvSpPr>
@@ -511,7 +525,7 @@
             </a:ln>
             <a:extLst>
               <a:ext uri="{91240B29-F687-4f45-9708-019B960494DF}">
-                <a14:hiddenLine xmlns:a14="http://schemas.microsoft.com/office/drawing/2010/main" xmlns="" w="9525">
+                <a14:hiddenLine xmlns="" xmlns:a14="http://schemas.microsoft.com/office/drawing/2010/main" w="9525">
                   <a:solidFill>
                     <a:srgbClr val="000000"/>
                   </a:solidFill>
@@ -522,6 +536,13 @@
               </a:ext>
             </a:extLst>
           </p:spPr>
+          <p:txBody>
+            <a:bodyPr/>
+            <a:lstStyle/>
+            <a:p>
+              <a:endParaRPr lang="en-IN"/>
+            </a:p>
+          </p:txBody>
         </p:sp>
         <p:sp>
           <p:nvSpPr>
@@ -545,7 +566,7 @@
             </a:ln>
             <a:extLst>
               <a:ext uri="{91240B29-F687-4f45-9708-019B960494DF}">
-                <a14:hiddenLine xmlns:a14="http://schemas.microsoft.com/office/drawing/2010/main" xmlns="" w="9525">
+                <a14:hiddenLine xmlns="" xmlns:a14="http://schemas.microsoft.com/office/drawing/2010/main" w="9525">
                   <a:solidFill>
                     <a:srgbClr val="000000"/>
                   </a:solidFill>
@@ -556,6 +577,13 @@
               </a:ext>
             </a:extLst>
           </p:spPr>
+          <p:txBody>
+            <a:bodyPr/>
+            <a:lstStyle/>
+            <a:p>
+              <a:endParaRPr lang="en-IN"/>
+            </a:p>
+          </p:txBody>
         </p:sp>
         <p:sp>
           <p:nvSpPr>
@@ -635,7 +663,7 @@
             </a:ln>
             <a:extLst>
               <a:ext uri="{91240B29-F687-4f45-9708-019B960494DF}">
-                <a14:hiddenLine xmlns:a14="http://schemas.microsoft.com/office/drawing/2010/main" xmlns="" w="9525">
+                <a14:hiddenLine xmlns="" xmlns:a14="http://schemas.microsoft.com/office/drawing/2010/main" w="9525">
                   <a:solidFill>
                     <a:srgbClr val="000000"/>
                   </a:solidFill>
@@ -646,6 +674,13 @@
               </a:ext>
             </a:extLst>
           </p:spPr>
+          <p:txBody>
+            <a:bodyPr/>
+            <a:lstStyle/>
+            <a:p>
+              <a:endParaRPr lang="en-IN"/>
+            </a:p>
+          </p:txBody>
         </p:sp>
         <p:sp>
           <p:nvSpPr>
@@ -697,7 +732,7 @@
             </a:ln>
             <a:extLst>
               <a:ext uri="{91240B29-F687-4f45-9708-019B960494DF}">
-                <a14:hiddenLine xmlns:a14="http://schemas.microsoft.com/office/drawing/2010/main" xmlns="" w="9525">
+                <a14:hiddenLine xmlns="" xmlns:a14="http://schemas.microsoft.com/office/drawing/2010/main" w="9525">
                   <a:solidFill>
                     <a:srgbClr val="000000"/>
                   </a:solidFill>
@@ -708,6 +743,13 @@
               </a:ext>
             </a:extLst>
           </p:spPr>
+          <p:txBody>
+            <a:bodyPr/>
+            <a:lstStyle/>
+            <a:p>
+              <a:endParaRPr lang="en-IN"/>
+            </a:p>
+          </p:txBody>
         </p:sp>
         <p:sp>
           <p:nvSpPr>
@@ -759,7 +801,7 @@
             </a:ln>
             <a:extLst>
               <a:ext uri="{91240B29-F687-4f45-9708-019B960494DF}">
-                <a14:hiddenLine xmlns:a14="http://schemas.microsoft.com/office/drawing/2010/main" xmlns="" w="9525">
+                <a14:hiddenLine xmlns="" xmlns:a14="http://schemas.microsoft.com/office/drawing/2010/main" w="9525">
                   <a:solidFill>
                     <a:srgbClr val="000000"/>
                   </a:solidFill>
@@ -770,6 +812,13 @@
               </a:ext>
             </a:extLst>
           </p:spPr>
+          <p:txBody>
+            <a:bodyPr/>
+            <a:lstStyle/>
+            <a:p>
+              <a:endParaRPr lang="en-IN"/>
+            </a:p>
+          </p:txBody>
         </p:sp>
         <p:sp>
           <p:nvSpPr>
@@ -849,7 +898,7 @@
             </a:ln>
             <a:extLst>
               <a:ext uri="{91240B29-F687-4f45-9708-019B960494DF}">
-                <a14:hiddenLine xmlns:a14="http://schemas.microsoft.com/office/drawing/2010/main" xmlns="" w="9525">
+                <a14:hiddenLine xmlns="" xmlns:a14="http://schemas.microsoft.com/office/drawing/2010/main" w="9525">
                   <a:solidFill>
                     <a:srgbClr val="000000"/>
                   </a:solidFill>
@@ -860,6 +909,13 @@
               </a:ext>
             </a:extLst>
           </p:spPr>
+          <p:txBody>
+            <a:bodyPr/>
+            <a:lstStyle/>
+            <a:p>
+              <a:endParaRPr lang="en-IN"/>
+            </a:p>
+          </p:txBody>
         </p:sp>
         <p:sp>
           <p:nvSpPr>
@@ -911,7 +967,7 @@
             </a:ln>
             <a:extLst>
               <a:ext uri="{91240B29-F687-4f45-9708-019B960494DF}">
-                <a14:hiddenLine xmlns:a14="http://schemas.microsoft.com/office/drawing/2010/main" xmlns="" w="9525">
+                <a14:hiddenLine xmlns="" xmlns:a14="http://schemas.microsoft.com/office/drawing/2010/main" w="9525">
                   <a:solidFill>
                     <a:srgbClr val="000000"/>
                   </a:solidFill>
@@ -922,6 +978,13 @@
               </a:ext>
             </a:extLst>
           </p:spPr>
+          <p:txBody>
+            <a:bodyPr/>
+            <a:lstStyle/>
+            <a:p>
+              <a:endParaRPr lang="en-IN"/>
+            </a:p>
+          </p:txBody>
         </p:sp>
         <p:sp>
           <p:nvSpPr>
@@ -973,7 +1036,7 @@
             </a:ln>
             <a:extLst>
               <a:ext uri="{91240B29-F687-4f45-9708-019B960494DF}">
-                <a14:hiddenLine xmlns:a14="http://schemas.microsoft.com/office/drawing/2010/main" xmlns="" w="9525">
+                <a14:hiddenLine xmlns="" xmlns:a14="http://schemas.microsoft.com/office/drawing/2010/main" w="9525">
                   <a:solidFill>
                     <a:srgbClr val="000000"/>
                   </a:solidFill>
@@ -984,6 +1047,13 @@
               </a:ext>
             </a:extLst>
           </p:spPr>
+          <p:txBody>
+            <a:bodyPr/>
+            <a:lstStyle/>
+            <a:p>
+              <a:endParaRPr lang="en-IN"/>
+            </a:p>
+          </p:txBody>
         </p:sp>
         <p:sp>
           <p:nvSpPr>
@@ -1063,7 +1133,7 @@
             </a:ln>
             <a:extLst>
               <a:ext uri="{91240B29-F687-4f45-9708-019B960494DF}">
-                <a14:hiddenLine xmlns:a14="http://schemas.microsoft.com/office/drawing/2010/main" xmlns="" w="9525">
+                <a14:hiddenLine xmlns="" xmlns:a14="http://schemas.microsoft.com/office/drawing/2010/main" w="9525">
                   <a:solidFill>
                     <a:srgbClr val="000000"/>
                   </a:solidFill>
@@ -1074,6 +1144,13 @@
               </a:ext>
             </a:extLst>
           </p:spPr>
+          <p:txBody>
+            <a:bodyPr/>
+            <a:lstStyle/>
+            <a:p>
+              <a:endParaRPr lang="en-IN"/>
+            </a:p>
+          </p:txBody>
         </p:sp>
         <p:sp>
           <p:nvSpPr>
@@ -1153,7 +1230,7 @@
             </a:ln>
             <a:extLst>
               <a:ext uri="{91240B29-F687-4f45-9708-019B960494DF}">
-                <a14:hiddenLine xmlns:a14="http://schemas.microsoft.com/office/drawing/2010/main" xmlns="" w="9525">
+                <a14:hiddenLine xmlns="" xmlns:a14="http://schemas.microsoft.com/office/drawing/2010/main" w="9525">
                   <a:solidFill>
                     <a:srgbClr val="000000"/>
                   </a:solidFill>
@@ -1164,6 +1241,13 @@
               </a:ext>
             </a:extLst>
           </p:spPr>
+          <p:txBody>
+            <a:bodyPr/>
+            <a:lstStyle/>
+            <a:p>
+              <a:endParaRPr lang="en-IN"/>
+            </a:p>
+          </p:txBody>
         </p:sp>
         <p:sp>
           <p:nvSpPr>
@@ -1215,7 +1299,7 @@
             </a:ln>
             <a:extLst>
               <a:ext uri="{91240B29-F687-4f45-9708-019B960494DF}">
-                <a14:hiddenLine xmlns:a14="http://schemas.microsoft.com/office/drawing/2010/main" xmlns="" w="9525">
+                <a14:hiddenLine xmlns="" xmlns:a14="http://schemas.microsoft.com/office/drawing/2010/main" w="9525">
                   <a:solidFill>
                     <a:srgbClr val="000000"/>
                   </a:solidFill>
@@ -1226,6 +1310,13 @@
               </a:ext>
             </a:extLst>
           </p:spPr>
+          <p:txBody>
+            <a:bodyPr/>
+            <a:lstStyle/>
+            <a:p>
+              <a:endParaRPr lang="en-IN"/>
+            </a:p>
+          </p:txBody>
         </p:sp>
         <p:sp>
           <p:nvSpPr>
@@ -1325,7 +1416,7 @@
             </a:ln>
             <a:extLst>
               <a:ext uri="{91240B29-F687-4f45-9708-019B960494DF}">
-                <a14:hiddenLine xmlns:a14="http://schemas.microsoft.com/office/drawing/2010/main" xmlns="" w="9525">
+                <a14:hiddenLine xmlns="" xmlns:a14="http://schemas.microsoft.com/office/drawing/2010/main" w="9525">
                   <a:solidFill>
                     <a:srgbClr val="000000"/>
                   </a:solidFill>
@@ -1336,6 +1427,13 @@
               </a:ext>
             </a:extLst>
           </p:spPr>
+          <p:txBody>
+            <a:bodyPr/>
+            <a:lstStyle/>
+            <a:p>
+              <a:endParaRPr lang="en-IN"/>
+            </a:p>
+          </p:txBody>
         </p:sp>
         <p:sp>
           <p:nvSpPr>
@@ -1387,7 +1485,7 @@
             </a:ln>
             <a:extLst>
               <a:ext uri="{91240B29-F687-4f45-9708-019B960494DF}">
-                <a14:hiddenLine xmlns:a14="http://schemas.microsoft.com/office/drawing/2010/main" xmlns="" w="9525">
+                <a14:hiddenLine xmlns="" xmlns:a14="http://schemas.microsoft.com/office/drawing/2010/main" w="9525">
                   <a:solidFill>
                     <a:srgbClr val="000000"/>
                   </a:solidFill>
@@ -1398,6 +1496,13 @@
               </a:ext>
             </a:extLst>
           </p:spPr>
+          <p:txBody>
+            <a:bodyPr/>
+            <a:lstStyle/>
+            <a:p>
+              <a:endParaRPr lang="en-IN"/>
+            </a:p>
+          </p:txBody>
         </p:sp>
         <p:sp>
           <p:nvSpPr>
@@ -1477,7 +1582,7 @@
             </a:ln>
             <a:extLst>
               <a:ext uri="{91240B29-F687-4f45-9708-019B960494DF}">
-                <a14:hiddenLine xmlns:a14="http://schemas.microsoft.com/office/drawing/2010/main" xmlns="" w="9525">
+                <a14:hiddenLine xmlns="" xmlns:a14="http://schemas.microsoft.com/office/drawing/2010/main" w="9525">
                   <a:solidFill>
                     <a:srgbClr val="000000"/>
                   </a:solidFill>
@@ -1488,6 +1593,13 @@
               </a:ext>
             </a:extLst>
           </p:spPr>
+          <p:txBody>
+            <a:bodyPr/>
+            <a:lstStyle/>
+            <a:p>
+              <a:endParaRPr lang="en-IN"/>
+            </a:p>
+          </p:txBody>
         </p:sp>
         <p:sp>
           <p:nvSpPr>
@@ -1567,7 +1679,7 @@
             </a:ln>
             <a:extLst>
               <a:ext uri="{91240B29-F687-4f45-9708-019B960494DF}">
-                <a14:hiddenLine xmlns:a14="http://schemas.microsoft.com/office/drawing/2010/main" xmlns="" w="9525">
+                <a14:hiddenLine xmlns="" xmlns:a14="http://schemas.microsoft.com/office/drawing/2010/main" w="9525">
                   <a:solidFill>
                     <a:srgbClr val="000000"/>
                   </a:solidFill>
@@ -1578,6 +1690,13 @@
               </a:ext>
             </a:extLst>
           </p:spPr>
+          <p:txBody>
+            <a:bodyPr/>
+            <a:lstStyle/>
+            <a:p>
+              <a:endParaRPr lang="en-IN"/>
+            </a:p>
+          </p:txBody>
         </p:sp>
         <p:sp>
           <p:nvSpPr>
@@ -1629,7 +1748,7 @@
             </a:ln>
             <a:extLst>
               <a:ext uri="{91240B29-F687-4f45-9708-019B960494DF}">
-                <a14:hiddenLine xmlns:a14="http://schemas.microsoft.com/office/drawing/2010/main" xmlns="" w="9525">
+                <a14:hiddenLine xmlns="" xmlns:a14="http://schemas.microsoft.com/office/drawing/2010/main" w="9525">
                   <a:solidFill>
                     <a:srgbClr val="000000"/>
                   </a:solidFill>
@@ -1640,6 +1759,13 @@
               </a:ext>
             </a:extLst>
           </p:spPr>
+          <p:txBody>
+            <a:bodyPr/>
+            <a:lstStyle/>
+            <a:p>
+              <a:endParaRPr lang="en-IN"/>
+            </a:p>
+          </p:txBody>
         </p:sp>
         <p:sp>
           <p:nvSpPr>
@@ -1719,7 +1845,7 @@
             </a:ln>
             <a:extLst>
               <a:ext uri="{91240B29-F687-4f45-9708-019B960494DF}">
-                <a14:hiddenLine xmlns:a14="http://schemas.microsoft.com/office/drawing/2010/main" xmlns="" w="9525">
+                <a14:hiddenLine xmlns="" xmlns:a14="http://schemas.microsoft.com/office/drawing/2010/main" w="9525">
                   <a:solidFill>
                     <a:srgbClr val="000000"/>
                   </a:solidFill>
@@ -1730,6 +1856,13 @@
               </a:ext>
             </a:extLst>
           </p:spPr>
+          <p:txBody>
+            <a:bodyPr/>
+            <a:lstStyle/>
+            <a:p>
+              <a:endParaRPr lang="en-IN"/>
+            </a:p>
+          </p:txBody>
         </p:sp>
         <p:sp>
           <p:nvSpPr>
@@ -1809,7 +1942,7 @@
             </a:ln>
             <a:extLst>
               <a:ext uri="{91240B29-F687-4f45-9708-019B960494DF}">
-                <a14:hiddenLine xmlns:a14="http://schemas.microsoft.com/office/drawing/2010/main" xmlns="" w="9525">
+                <a14:hiddenLine xmlns="" xmlns:a14="http://schemas.microsoft.com/office/drawing/2010/main" w="9525">
                   <a:solidFill>
                     <a:srgbClr val="000000"/>
                   </a:solidFill>
@@ -1820,6 +1953,13 @@
               </a:ext>
             </a:extLst>
           </p:spPr>
+          <p:txBody>
+            <a:bodyPr/>
+            <a:lstStyle/>
+            <a:p>
+              <a:endParaRPr lang="en-IN"/>
+            </a:p>
+          </p:txBody>
         </p:sp>
         <p:sp>
           <p:nvSpPr>
@@ -1865,7 +2005,7 @@
             </a:ln>
             <a:extLst>
               <a:ext uri="{91240B29-F687-4f45-9708-019B960494DF}">
-                <a14:hiddenLine xmlns:a14="http://schemas.microsoft.com/office/drawing/2010/main" xmlns="" w="9525">
+                <a14:hiddenLine xmlns="" xmlns:a14="http://schemas.microsoft.com/office/drawing/2010/main" w="9525">
                   <a:solidFill>
                     <a:srgbClr val="000000"/>
                   </a:solidFill>
@@ -1876,6 +2016,13 @@
               </a:ext>
             </a:extLst>
           </p:spPr>
+          <p:txBody>
+            <a:bodyPr/>
+            <a:lstStyle/>
+            <a:p>
+              <a:endParaRPr lang="en-IN"/>
+            </a:p>
+          </p:txBody>
         </p:sp>
         <p:sp>
           <p:nvSpPr>
@@ -1955,7 +2102,7 @@
             </a:ln>
             <a:extLst>
               <a:ext uri="{91240B29-F687-4f45-9708-019B960494DF}">
-                <a14:hiddenLine xmlns:a14="http://schemas.microsoft.com/office/drawing/2010/main" xmlns="" w="9525">
+                <a14:hiddenLine xmlns="" xmlns:a14="http://schemas.microsoft.com/office/drawing/2010/main" w="9525">
                   <a:solidFill>
                     <a:srgbClr val="000000"/>
                   </a:solidFill>
@@ -1966,6 +2113,13 @@
               </a:ext>
             </a:extLst>
           </p:spPr>
+          <p:txBody>
+            <a:bodyPr/>
+            <a:lstStyle/>
+            <a:p>
+              <a:endParaRPr lang="en-IN"/>
+            </a:p>
+          </p:txBody>
         </p:sp>
         <p:sp>
           <p:nvSpPr>
@@ -2011,7 +2165,7 @@
             </a:ln>
             <a:extLst>
               <a:ext uri="{91240B29-F687-4f45-9708-019B960494DF}">
-                <a14:hiddenLine xmlns:a14="http://schemas.microsoft.com/office/drawing/2010/main" xmlns="" w="9525">
+                <a14:hiddenLine xmlns="" xmlns:a14="http://schemas.microsoft.com/office/drawing/2010/main" w="9525">
                   <a:solidFill>
                     <a:srgbClr val="000000"/>
                   </a:solidFill>
@@ -2022,6 +2176,13 @@
               </a:ext>
             </a:extLst>
           </p:spPr>
+          <p:txBody>
+            <a:bodyPr/>
+            <a:lstStyle/>
+            <a:p>
+              <a:endParaRPr lang="en-IN"/>
+            </a:p>
+          </p:txBody>
         </p:sp>
         <p:sp>
           <p:nvSpPr>
@@ -2101,7 +2262,7 @@
             </a:ln>
             <a:extLst>
               <a:ext uri="{91240B29-F687-4f45-9708-019B960494DF}">
-                <a14:hiddenLine xmlns:a14="http://schemas.microsoft.com/office/drawing/2010/main" xmlns="" w="9525">
+                <a14:hiddenLine xmlns="" xmlns:a14="http://schemas.microsoft.com/office/drawing/2010/main" w="9525">
                   <a:solidFill>
                     <a:srgbClr val="000000"/>
                   </a:solidFill>
@@ -2112,6 +2273,13 @@
               </a:ext>
             </a:extLst>
           </p:spPr>
+          <p:txBody>
+            <a:bodyPr/>
+            <a:lstStyle/>
+            <a:p>
+              <a:endParaRPr lang="en-IN"/>
+            </a:p>
+          </p:txBody>
         </p:sp>
         <p:sp>
           <p:nvSpPr>
@@ -2169,7 +2337,7 @@
             </a:ln>
             <a:extLst>
               <a:ext uri="{91240B29-F687-4f45-9708-019B960494DF}">
-                <a14:hiddenLine xmlns:a14="http://schemas.microsoft.com/office/drawing/2010/main" xmlns="" w="9525">
+                <a14:hiddenLine xmlns="" xmlns:a14="http://schemas.microsoft.com/office/drawing/2010/main" w="9525">
                   <a:solidFill>
                     <a:srgbClr val="000000"/>
                   </a:solidFill>
@@ -2180,6 +2348,13 @@
               </a:ext>
             </a:extLst>
           </p:spPr>
+          <p:txBody>
+            <a:bodyPr/>
+            <a:lstStyle/>
+            <a:p>
+              <a:endParaRPr lang="en-IN"/>
+            </a:p>
+          </p:txBody>
         </p:sp>
         <p:sp>
           <p:nvSpPr>
@@ -2259,7 +2434,7 @@
             </a:ln>
             <a:extLst>
               <a:ext uri="{91240B29-F687-4f45-9708-019B960494DF}">
-                <a14:hiddenLine xmlns:a14="http://schemas.microsoft.com/office/drawing/2010/main" xmlns="" w="9525">
+                <a14:hiddenLine xmlns="" xmlns:a14="http://schemas.microsoft.com/office/drawing/2010/main" w="9525">
                   <a:solidFill>
                     <a:srgbClr val="000000"/>
                   </a:solidFill>
@@ -2270,6 +2445,13 @@
               </a:ext>
             </a:extLst>
           </p:spPr>
+          <p:txBody>
+            <a:bodyPr/>
+            <a:lstStyle/>
+            <a:p>
+              <a:endParaRPr lang="en-IN"/>
+            </a:p>
+          </p:txBody>
         </p:sp>
         <p:sp>
           <p:nvSpPr>
@@ -2327,7 +2509,7 @@
             </a:ln>
             <a:extLst>
               <a:ext uri="{91240B29-F687-4f45-9708-019B960494DF}">
-                <a14:hiddenLine xmlns:a14="http://schemas.microsoft.com/office/drawing/2010/main" xmlns="" w="9525">
+                <a14:hiddenLine xmlns="" xmlns:a14="http://schemas.microsoft.com/office/drawing/2010/main" w="9525">
                   <a:solidFill>
                     <a:srgbClr val="000000"/>
                   </a:solidFill>
@@ -2338,6 +2520,13 @@
               </a:ext>
             </a:extLst>
           </p:spPr>
+          <p:txBody>
+            <a:bodyPr/>
+            <a:lstStyle/>
+            <a:p>
+              <a:endParaRPr lang="en-IN"/>
+            </a:p>
+          </p:txBody>
         </p:sp>
         <p:sp>
           <p:nvSpPr>
@@ -2417,7 +2606,7 @@
             </a:ln>
             <a:extLst>
               <a:ext uri="{91240B29-F687-4f45-9708-019B960494DF}">
-                <a14:hiddenLine xmlns:a14="http://schemas.microsoft.com/office/drawing/2010/main" xmlns="" w="9525">
+                <a14:hiddenLine xmlns="" xmlns:a14="http://schemas.microsoft.com/office/drawing/2010/main" w="9525">
                   <a:solidFill>
                     <a:srgbClr val="000000"/>
                   </a:solidFill>
@@ -2428,6 +2617,13 @@
               </a:ext>
             </a:extLst>
           </p:spPr>
+          <p:txBody>
+            <a:bodyPr/>
+            <a:lstStyle/>
+            <a:p>
+              <a:endParaRPr lang="en-IN"/>
+            </a:p>
+          </p:txBody>
         </p:sp>
         <p:sp>
           <p:nvSpPr>
@@ -2451,7 +2647,7 @@
             </a:ln>
             <a:extLst>
               <a:ext uri="{91240B29-F687-4f45-9708-019B960494DF}">
-                <a14:hiddenLine xmlns:a14="http://schemas.microsoft.com/office/drawing/2010/main" xmlns="" w="9525">
+                <a14:hiddenLine xmlns="" xmlns:a14="http://schemas.microsoft.com/office/drawing/2010/main" w="9525">
                   <a:solidFill>
                     <a:srgbClr val="000000"/>
                   </a:solidFill>
@@ -2462,6 +2658,13 @@
               </a:ext>
             </a:extLst>
           </p:spPr>
+          <p:txBody>
+            <a:bodyPr/>
+            <a:lstStyle/>
+            <a:p>
+              <a:endParaRPr lang="en-IN"/>
+            </a:p>
+          </p:txBody>
         </p:sp>
         <p:sp>
           <p:nvSpPr>
@@ -2541,7 +2744,7 @@
             </a:ln>
             <a:extLst>
               <a:ext uri="{91240B29-F687-4f45-9708-019B960494DF}">
-                <a14:hiddenLine xmlns:a14="http://schemas.microsoft.com/office/drawing/2010/main" xmlns="" w="9525">
+                <a14:hiddenLine xmlns="" xmlns:a14="http://schemas.microsoft.com/office/drawing/2010/main" w="9525">
                   <a:solidFill>
                     <a:srgbClr val="000000"/>
                   </a:solidFill>
@@ -2552,6 +2755,13 @@
               </a:ext>
             </a:extLst>
           </p:spPr>
+          <p:txBody>
+            <a:bodyPr/>
+            <a:lstStyle/>
+            <a:p>
+              <a:endParaRPr lang="en-IN"/>
+            </a:p>
+          </p:txBody>
         </p:sp>
         <p:sp>
           <p:nvSpPr>
@@ -2603,7 +2813,7 @@
             </a:ln>
             <a:extLst>
               <a:ext uri="{91240B29-F687-4f45-9708-019B960494DF}">
-                <a14:hiddenLine xmlns:a14="http://schemas.microsoft.com/office/drawing/2010/main" xmlns="" w="9525">
+                <a14:hiddenLine xmlns="" xmlns:a14="http://schemas.microsoft.com/office/drawing/2010/main" w="9525">
                   <a:solidFill>
                     <a:srgbClr val="000000"/>
                   </a:solidFill>
@@ -2614,6 +2824,13 @@
               </a:ext>
             </a:extLst>
           </p:spPr>
+          <p:txBody>
+            <a:bodyPr/>
+            <a:lstStyle/>
+            <a:p>
+              <a:endParaRPr lang="en-IN"/>
+            </a:p>
+          </p:txBody>
         </p:sp>
         <p:sp>
           <p:nvSpPr>
@@ -2665,7 +2882,7 @@
             </a:ln>
             <a:extLst>
               <a:ext uri="{91240B29-F687-4f45-9708-019B960494DF}">
-                <a14:hiddenLine xmlns:a14="http://schemas.microsoft.com/office/drawing/2010/main" xmlns="" w="9525">
+                <a14:hiddenLine xmlns="" xmlns:a14="http://schemas.microsoft.com/office/drawing/2010/main" w="9525">
                   <a:solidFill>
                     <a:srgbClr val="000000"/>
                   </a:solidFill>
@@ -2676,6 +2893,13 @@
               </a:ext>
             </a:extLst>
           </p:spPr>
+          <p:txBody>
+            <a:bodyPr/>
+            <a:lstStyle/>
+            <a:p>
+              <a:endParaRPr lang="en-IN"/>
+            </a:p>
+          </p:txBody>
         </p:sp>
         <p:sp>
           <p:nvSpPr>
@@ -2755,7 +2979,7 @@
             </a:ln>
             <a:extLst>
               <a:ext uri="{91240B29-F687-4f45-9708-019B960494DF}">
-                <a14:hiddenLine xmlns:a14="http://schemas.microsoft.com/office/drawing/2010/main" xmlns="" w="9525">
+                <a14:hiddenLine xmlns="" xmlns:a14="http://schemas.microsoft.com/office/drawing/2010/main" w="9525">
                   <a:solidFill>
                     <a:srgbClr val="000000"/>
                   </a:solidFill>
@@ -2766,6 +2990,13 @@
               </a:ext>
             </a:extLst>
           </p:spPr>
+          <p:txBody>
+            <a:bodyPr/>
+            <a:lstStyle/>
+            <a:p>
+              <a:endParaRPr lang="en-IN"/>
+            </a:p>
+          </p:txBody>
         </p:sp>
         <p:sp>
           <p:nvSpPr>
@@ -2823,7 +3054,7 @@
             </a:ln>
             <a:extLst>
               <a:ext uri="{91240B29-F687-4f45-9708-019B960494DF}">
-                <a14:hiddenLine xmlns:a14="http://schemas.microsoft.com/office/drawing/2010/main" xmlns="" w="9525">
+                <a14:hiddenLine xmlns="" xmlns:a14="http://schemas.microsoft.com/office/drawing/2010/main" w="9525">
                   <a:solidFill>
                     <a:srgbClr val="000000"/>
                   </a:solidFill>
@@ -2834,6 +3065,13 @@
               </a:ext>
             </a:extLst>
           </p:spPr>
+          <p:txBody>
+            <a:bodyPr/>
+            <a:lstStyle/>
+            <a:p>
+              <a:endParaRPr lang="en-IN"/>
+            </a:p>
+          </p:txBody>
         </p:sp>
         <p:sp>
           <p:nvSpPr>
@@ -2885,7 +3123,7 @@
             </a:ln>
             <a:extLst>
               <a:ext uri="{91240B29-F687-4f45-9708-019B960494DF}">
-                <a14:hiddenLine xmlns:a14="http://schemas.microsoft.com/office/drawing/2010/main" xmlns="" w="9525">
+                <a14:hiddenLine xmlns="" xmlns:a14="http://schemas.microsoft.com/office/drawing/2010/main" w="9525">
                   <a:solidFill>
                     <a:srgbClr val="000000"/>
                   </a:solidFill>
@@ -2896,6 +3134,13 @@
               </a:ext>
             </a:extLst>
           </p:spPr>
+          <p:txBody>
+            <a:bodyPr/>
+            <a:lstStyle/>
+            <a:p>
+              <a:endParaRPr lang="en-IN"/>
+            </a:p>
+          </p:txBody>
         </p:sp>
         <p:sp>
           <p:nvSpPr>
@@ -2975,7 +3220,7 @@
             </a:ln>
             <a:extLst>
               <a:ext uri="{91240B29-F687-4f45-9708-019B960494DF}">
-                <a14:hiddenLine xmlns:a14="http://schemas.microsoft.com/office/drawing/2010/main" xmlns="" w="9525">
+                <a14:hiddenLine xmlns="" xmlns:a14="http://schemas.microsoft.com/office/drawing/2010/main" w="9525">
                   <a:solidFill>
                     <a:srgbClr val="000000"/>
                   </a:solidFill>
@@ -2986,6 +3231,13 @@
               </a:ext>
             </a:extLst>
           </p:spPr>
+          <p:txBody>
+            <a:bodyPr/>
+            <a:lstStyle/>
+            <a:p>
+              <a:endParaRPr lang="en-IN"/>
+            </a:p>
+          </p:txBody>
         </p:sp>
         <p:sp>
           <p:nvSpPr>
@@ -3037,7 +3289,7 @@
             </a:ln>
             <a:extLst>
               <a:ext uri="{91240B29-F687-4f45-9708-019B960494DF}">
-                <a14:hiddenLine xmlns:a14="http://schemas.microsoft.com/office/drawing/2010/main" xmlns="" w="9525">
+                <a14:hiddenLine xmlns="" xmlns:a14="http://schemas.microsoft.com/office/drawing/2010/main" w="9525">
                   <a:solidFill>
                     <a:srgbClr val="000000"/>
                   </a:solidFill>
@@ -3048,6 +3300,13 @@
               </a:ext>
             </a:extLst>
           </p:spPr>
+          <p:txBody>
+            <a:bodyPr/>
+            <a:lstStyle/>
+            <a:p>
+              <a:endParaRPr lang="en-IN"/>
+            </a:p>
+          </p:txBody>
         </p:sp>
         <p:sp>
           <p:nvSpPr>
@@ -3127,7 +3386,7 @@
             </a:ln>
             <a:extLst>
               <a:ext uri="{91240B29-F687-4f45-9708-019B960494DF}">
-                <a14:hiddenLine xmlns:a14="http://schemas.microsoft.com/office/drawing/2010/main" xmlns="" w="9525">
+                <a14:hiddenLine xmlns="" xmlns:a14="http://schemas.microsoft.com/office/drawing/2010/main" w="9525">
                   <a:solidFill>
                     <a:srgbClr val="000000"/>
                   </a:solidFill>
@@ -3138,6 +3397,13 @@
               </a:ext>
             </a:extLst>
           </p:spPr>
+          <p:txBody>
+            <a:bodyPr/>
+            <a:lstStyle/>
+            <a:p>
+              <a:endParaRPr lang="en-IN"/>
+            </a:p>
+          </p:txBody>
         </p:sp>
         <p:sp>
           <p:nvSpPr>
@@ -3189,7 +3455,7 @@
             </a:ln>
             <a:extLst>
               <a:ext uri="{91240B29-F687-4f45-9708-019B960494DF}">
-                <a14:hiddenLine xmlns:a14="http://schemas.microsoft.com/office/drawing/2010/main" xmlns="" w="9525">
+                <a14:hiddenLine xmlns="" xmlns:a14="http://schemas.microsoft.com/office/drawing/2010/main" w="9525">
                   <a:solidFill>
                     <a:srgbClr val="000000"/>
                   </a:solidFill>
@@ -3200,6 +3466,13 @@
               </a:ext>
             </a:extLst>
           </p:spPr>
+          <p:txBody>
+            <a:bodyPr/>
+            <a:lstStyle/>
+            <a:p>
+              <a:endParaRPr lang="en-IN"/>
+            </a:p>
+          </p:txBody>
         </p:sp>
         <p:sp>
           <p:nvSpPr>
@@ -3279,7 +3552,7 @@
             </a:ln>
             <a:extLst>
               <a:ext uri="{91240B29-F687-4f45-9708-019B960494DF}">
-                <a14:hiddenLine xmlns:a14="http://schemas.microsoft.com/office/drawing/2010/main" xmlns="" w="9525">
+                <a14:hiddenLine xmlns="" xmlns:a14="http://schemas.microsoft.com/office/drawing/2010/main" w="9525">
                   <a:solidFill>
                     <a:srgbClr val="000000"/>
                   </a:solidFill>
@@ -3290,6 +3563,13 @@
               </a:ext>
             </a:extLst>
           </p:spPr>
+          <p:txBody>
+            <a:bodyPr/>
+            <a:lstStyle/>
+            <a:p>
+              <a:endParaRPr lang="en-IN"/>
+            </a:p>
+          </p:txBody>
         </p:sp>
         <p:sp>
           <p:nvSpPr>
@@ -3313,7 +3593,7 @@
             </a:ln>
             <a:extLst>
               <a:ext uri="{91240B29-F687-4f45-9708-019B960494DF}">
-                <a14:hiddenLine xmlns:a14="http://schemas.microsoft.com/office/drawing/2010/main" xmlns="" w="9525">
+                <a14:hiddenLine xmlns="" xmlns:a14="http://schemas.microsoft.com/office/drawing/2010/main" w="9525">
                   <a:solidFill>
                     <a:srgbClr val="000000"/>
                   </a:solidFill>
@@ -3324,6 +3604,13 @@
               </a:ext>
             </a:extLst>
           </p:spPr>
+          <p:txBody>
+            <a:bodyPr/>
+            <a:lstStyle/>
+            <a:p>
+              <a:endParaRPr lang="en-IN"/>
+            </a:p>
+          </p:txBody>
         </p:sp>
         <p:sp>
           <p:nvSpPr>
@@ -3378,7 +3665,7 @@
             </a:ln>
             <a:extLst>
               <a:ext uri="{91240B29-F687-4f45-9708-019B960494DF}">
-                <a14:hiddenLine xmlns:a14="http://schemas.microsoft.com/office/drawing/2010/main" xmlns="" w="9525">
+                <a14:hiddenLine xmlns="" xmlns:a14="http://schemas.microsoft.com/office/drawing/2010/main" w="9525">
                   <a:solidFill>
                     <a:srgbClr val="000000"/>
                   </a:solidFill>
@@ -3389,6 +3676,13 @@
               </a:ext>
             </a:extLst>
           </p:spPr>
+          <p:txBody>
+            <a:bodyPr/>
+            <a:lstStyle/>
+            <a:p>
+              <a:endParaRPr lang="en-IN"/>
+            </a:p>
+          </p:txBody>
         </p:sp>
         <p:sp>
           <p:nvSpPr>
@@ -3468,7 +3762,7 @@
             </a:ln>
             <a:extLst>
               <a:ext uri="{91240B29-F687-4f45-9708-019B960494DF}">
-                <a14:hiddenLine xmlns:a14="http://schemas.microsoft.com/office/drawing/2010/main" xmlns="" w="9525">
+                <a14:hiddenLine xmlns="" xmlns:a14="http://schemas.microsoft.com/office/drawing/2010/main" w="9525">
                   <a:solidFill>
                     <a:srgbClr val="000000"/>
                   </a:solidFill>
@@ -3479,6 +3773,13 @@
               </a:ext>
             </a:extLst>
           </p:spPr>
+          <p:txBody>
+            <a:bodyPr/>
+            <a:lstStyle/>
+            <a:p>
+              <a:endParaRPr lang="en-IN"/>
+            </a:p>
+          </p:txBody>
         </p:sp>
         <p:sp>
           <p:nvSpPr>
@@ -3530,7 +3831,7 @@
             </a:ln>
             <a:extLst>
               <a:ext uri="{91240B29-F687-4f45-9708-019B960494DF}">
-                <a14:hiddenLine xmlns:a14="http://schemas.microsoft.com/office/drawing/2010/main" xmlns="" w="9525">
+                <a14:hiddenLine xmlns="" xmlns:a14="http://schemas.microsoft.com/office/drawing/2010/main" w="9525">
                   <a:solidFill>
                     <a:srgbClr val="000000"/>
                   </a:solidFill>
@@ -3541,6 +3842,13 @@
               </a:ext>
             </a:extLst>
           </p:spPr>
+          <p:txBody>
+            <a:bodyPr/>
+            <a:lstStyle/>
+            <a:p>
+              <a:endParaRPr lang="en-IN"/>
+            </a:p>
+          </p:txBody>
         </p:sp>
         <p:sp>
           <p:nvSpPr>
@@ -3620,7 +3928,7 @@
             </a:ln>
             <a:extLst>
               <a:ext uri="{91240B29-F687-4f45-9708-019B960494DF}">
-                <a14:hiddenLine xmlns:a14="http://schemas.microsoft.com/office/drawing/2010/main" xmlns="" w="9525">
+                <a14:hiddenLine xmlns="" xmlns:a14="http://schemas.microsoft.com/office/drawing/2010/main" w="9525">
                   <a:solidFill>
                     <a:srgbClr val="000000"/>
                   </a:solidFill>
@@ -3631,6 +3939,13 @@
               </a:ext>
             </a:extLst>
           </p:spPr>
+          <p:txBody>
+            <a:bodyPr/>
+            <a:lstStyle/>
+            <a:p>
+              <a:endParaRPr lang="en-IN"/>
+            </a:p>
+          </p:txBody>
         </p:sp>
         <p:sp>
           <p:nvSpPr>
@@ -3710,7 +4025,7 @@
             </a:ln>
             <a:extLst>
               <a:ext uri="{91240B29-F687-4f45-9708-019B960494DF}">
-                <a14:hiddenLine xmlns:a14="http://schemas.microsoft.com/office/drawing/2010/main" xmlns="" w="9525">
+                <a14:hiddenLine xmlns="" xmlns:a14="http://schemas.microsoft.com/office/drawing/2010/main" w="9525">
                   <a:solidFill>
                     <a:srgbClr val="000000"/>
                   </a:solidFill>
@@ -3721,6 +4036,13 @@
               </a:ext>
             </a:extLst>
           </p:spPr>
+          <p:txBody>
+            <a:bodyPr/>
+            <a:lstStyle/>
+            <a:p>
+              <a:endParaRPr lang="en-IN"/>
+            </a:p>
+          </p:txBody>
         </p:sp>
         <p:sp>
           <p:nvSpPr>
@@ -3775,7 +4097,7 @@
             </a:ln>
             <a:extLst>
               <a:ext uri="{91240B29-F687-4f45-9708-019B960494DF}">
-                <a14:hiddenLine xmlns:a14="http://schemas.microsoft.com/office/drawing/2010/main" xmlns="" w="9525">
+                <a14:hiddenLine xmlns="" xmlns:a14="http://schemas.microsoft.com/office/drawing/2010/main" w="9525">
                   <a:solidFill>
                     <a:srgbClr val="000000"/>
                   </a:solidFill>
@@ -3786,6 +4108,13 @@
               </a:ext>
             </a:extLst>
           </p:spPr>
+          <p:txBody>
+            <a:bodyPr/>
+            <a:lstStyle/>
+            <a:p>
+              <a:endParaRPr lang="en-IN"/>
+            </a:p>
+          </p:txBody>
         </p:sp>
         <p:sp>
           <p:nvSpPr>
@@ -3837,7 +4166,7 @@
             </a:ln>
             <a:extLst>
               <a:ext uri="{91240B29-F687-4f45-9708-019B960494DF}">
-                <a14:hiddenLine xmlns:a14="http://schemas.microsoft.com/office/drawing/2010/main" xmlns="" w="9525">
+                <a14:hiddenLine xmlns="" xmlns:a14="http://schemas.microsoft.com/office/drawing/2010/main" w="9525">
                   <a:solidFill>
                     <a:srgbClr val="000000"/>
                   </a:solidFill>
@@ -3848,6 +4177,13 @@
               </a:ext>
             </a:extLst>
           </p:spPr>
+          <p:txBody>
+            <a:bodyPr/>
+            <a:lstStyle/>
+            <a:p>
+              <a:endParaRPr lang="en-IN"/>
+            </a:p>
+          </p:txBody>
         </p:sp>
         <p:sp>
           <p:nvSpPr>
@@ -3927,7 +4263,7 @@
             </a:ln>
             <a:extLst>
               <a:ext uri="{91240B29-F687-4f45-9708-019B960494DF}">
-                <a14:hiddenLine xmlns:a14="http://schemas.microsoft.com/office/drawing/2010/main" xmlns="" w="9525">
+                <a14:hiddenLine xmlns="" xmlns:a14="http://schemas.microsoft.com/office/drawing/2010/main" w="9525">
                   <a:solidFill>
                     <a:srgbClr val="000000"/>
                   </a:solidFill>
@@ -3938,6 +4274,13 @@
               </a:ext>
             </a:extLst>
           </p:spPr>
+          <p:txBody>
+            <a:bodyPr/>
+            <a:lstStyle/>
+            <a:p>
+              <a:endParaRPr lang="en-IN"/>
+            </a:p>
+          </p:txBody>
         </p:sp>
         <p:sp>
           <p:nvSpPr>
@@ -4017,7 +4360,7 @@
             </a:ln>
             <a:extLst>
               <a:ext uri="{91240B29-F687-4f45-9708-019B960494DF}">
-                <a14:hiddenLine xmlns:a14="http://schemas.microsoft.com/office/drawing/2010/main" xmlns="" w="9525">
+                <a14:hiddenLine xmlns="" xmlns:a14="http://schemas.microsoft.com/office/drawing/2010/main" w="9525">
                   <a:solidFill>
                     <a:srgbClr val="000000"/>
                   </a:solidFill>
@@ -4028,6 +4371,13 @@
               </a:ext>
             </a:extLst>
           </p:spPr>
+          <p:txBody>
+            <a:bodyPr/>
+            <a:lstStyle/>
+            <a:p>
+              <a:endParaRPr lang="en-IN"/>
+            </a:p>
+          </p:txBody>
         </p:sp>
         <p:sp>
           <p:nvSpPr>
@@ -4079,7 +4429,7 @@
             </a:ln>
             <a:extLst>
               <a:ext uri="{91240B29-F687-4f45-9708-019B960494DF}">
-                <a14:hiddenLine xmlns:a14="http://schemas.microsoft.com/office/drawing/2010/main" xmlns="" w="9525">
+                <a14:hiddenLine xmlns="" xmlns:a14="http://schemas.microsoft.com/office/drawing/2010/main" w="9525">
                   <a:solidFill>
                     <a:srgbClr val="000000"/>
                   </a:solidFill>
@@ -4090,6 +4440,13 @@
               </a:ext>
             </a:extLst>
           </p:spPr>
+          <p:txBody>
+            <a:bodyPr/>
+            <a:lstStyle/>
+            <a:p>
+              <a:endParaRPr lang="en-IN"/>
+            </a:p>
+          </p:txBody>
         </p:sp>
         <p:sp>
           <p:nvSpPr>
@@ -4199,7 +4556,7 @@
             </a:ln>
             <a:extLst>
               <a:ext uri="{91240B29-F687-4f45-9708-019B960494DF}">
-                <a14:hiddenLine xmlns:a14="http://schemas.microsoft.com/office/drawing/2010/main" xmlns="" w="9525">
+                <a14:hiddenLine xmlns="" xmlns:a14="http://schemas.microsoft.com/office/drawing/2010/main" w="9525">
                   <a:solidFill>
                     <a:srgbClr val="000000"/>
                   </a:solidFill>
@@ -4210,6 +4567,13 @@
               </a:ext>
             </a:extLst>
           </p:spPr>
+          <p:txBody>
+            <a:bodyPr/>
+            <a:lstStyle/>
+            <a:p>
+              <a:endParaRPr lang="en-IN"/>
+            </a:p>
+          </p:txBody>
         </p:sp>
         <p:sp>
           <p:nvSpPr>
@@ -4267,7 +4631,7 @@
             </a:ln>
             <a:extLst>
               <a:ext uri="{91240B29-F687-4f45-9708-019B960494DF}">
-                <a14:hiddenLine xmlns:a14="http://schemas.microsoft.com/office/drawing/2010/main" xmlns="" w="9525">
+                <a14:hiddenLine xmlns="" xmlns:a14="http://schemas.microsoft.com/office/drawing/2010/main" w="9525">
                   <a:solidFill>
                     <a:srgbClr val="000000"/>
                   </a:solidFill>
@@ -4278,6 +4642,13 @@
               </a:ext>
             </a:extLst>
           </p:spPr>
+          <p:txBody>
+            <a:bodyPr/>
+            <a:lstStyle/>
+            <a:p>
+              <a:endParaRPr lang="en-IN"/>
+            </a:p>
+          </p:txBody>
         </p:sp>
         <p:sp>
           <p:nvSpPr>
@@ -4357,7 +4728,7 @@
             </a:ln>
             <a:extLst>
               <a:ext uri="{91240B29-F687-4f45-9708-019B960494DF}">
-                <a14:hiddenLine xmlns:a14="http://schemas.microsoft.com/office/drawing/2010/main" xmlns="" w="9525">
+                <a14:hiddenLine xmlns="" xmlns:a14="http://schemas.microsoft.com/office/drawing/2010/main" w="9525">
                   <a:solidFill>
                     <a:srgbClr val="000000"/>
                   </a:solidFill>
@@ -4368,6 +4739,13 @@
               </a:ext>
             </a:extLst>
           </p:spPr>
+          <p:txBody>
+            <a:bodyPr/>
+            <a:lstStyle/>
+            <a:p>
+              <a:endParaRPr lang="en-IN"/>
+            </a:p>
+          </p:txBody>
         </p:sp>
       </p:grpSp>
       <p:sp>
@@ -4495,7 +4873,7 @@
           <a:p>
             <a:fld id="{48A87A34-81AB-432B-8DAE-1953F412C126}" type="datetimeFigureOut">
               <a:rPr lang="en-US" dirty="0"/>
-              <a:t>12/3/2025</a:t>
+              <a:t>12/29/2025</a:t>
             </a:fld>
             <a:endParaRPr lang="en-US" dirty="0"/>
           </a:p>
@@ -4755,7 +5133,7 @@
           <a:p>
             <a:fld id="{48A87A34-81AB-432B-8DAE-1953F412C126}" type="datetimeFigureOut">
               <a:rPr lang="en-US" dirty="0"/>
-              <a:t>12/3/2025</a:t>
+              <a:t>12/29/2025</a:t>
             </a:fld>
             <a:endParaRPr lang="en-US" dirty="0"/>
           </a:p>
@@ -4945,7 +5323,7 @@
           <a:p>
             <a:fld id="{48A87A34-81AB-432B-8DAE-1953F412C126}" type="datetimeFigureOut">
               <a:rPr lang="en-US" dirty="0"/>
-              <a:t>12/3/2025</a:t>
+              <a:t>12/29/2025</a:t>
             </a:fld>
             <a:endParaRPr lang="en-US" dirty="0"/>
           </a:p>
@@ -5202,7 +5580,7 @@
           <a:p>
             <a:fld id="{48A87A34-81AB-432B-8DAE-1953F412C126}" type="datetimeFigureOut">
               <a:rPr lang="en-US" dirty="0"/>
-              <a:t>12/3/2025</a:t>
+              <a:t>12/29/2025</a:t>
             </a:fld>
             <a:endParaRPr lang="en-US" dirty="0"/>
           </a:p>
@@ -5630,7 +6008,7 @@
           <a:p>
             <a:fld id="{48A87A34-81AB-432B-8DAE-1953F412C126}" type="datetimeFigureOut">
               <a:rPr lang="en-US" dirty="0"/>
-              <a:t>12/3/2025</a:t>
+              <a:t>12/29/2025</a:t>
             </a:fld>
             <a:endParaRPr lang="en-US" dirty="0"/>
           </a:p>
@@ -6170,7 +6548,7 @@
           <a:p>
             <a:fld id="{48A87A34-81AB-432B-8DAE-1953F412C126}" type="datetimeFigureOut">
               <a:rPr lang="en-US" dirty="0"/>
-              <a:t>12/3/2025</a:t>
+              <a:t>12/29/2025</a:t>
             </a:fld>
             <a:endParaRPr lang="en-US" dirty="0"/>
           </a:p>
@@ -6881,7 +7259,7 @@
           <a:p>
             <a:fld id="{48A87A34-81AB-432B-8DAE-1953F412C126}" type="datetimeFigureOut">
               <a:rPr lang="en-US" dirty="0"/>
-              <a:t>12/3/2025</a:t>
+              <a:t>12/29/2025</a:t>
             </a:fld>
             <a:endParaRPr lang="en-US" dirty="0"/>
           </a:p>
@@ -7044,7 +7422,7 @@
           <a:p>
             <a:fld id="{48A87A34-81AB-432B-8DAE-1953F412C126}" type="datetimeFigureOut">
               <a:rPr lang="en-US" dirty="0"/>
-              <a:t>12/3/2025</a:t>
+              <a:t>12/29/2025</a:t>
             </a:fld>
             <a:endParaRPr lang="en-US" dirty="0"/>
           </a:p>
@@ -7217,7 +7595,7 @@
           <a:p>
             <a:fld id="{48A87A34-81AB-432B-8DAE-1953F412C126}" type="datetimeFigureOut">
               <a:rPr lang="en-US" dirty="0"/>
-              <a:t>12/3/2025</a:t>
+              <a:t>12/29/2025</a:t>
             </a:fld>
             <a:endParaRPr lang="en-US" dirty="0"/>
           </a:p>
@@ -7380,7 +7758,7 @@
           <a:p>
             <a:fld id="{48A87A34-81AB-432B-8DAE-1953F412C126}" type="datetimeFigureOut">
               <a:rPr lang="en-US" dirty="0"/>
-              <a:t>12/3/2025</a:t>
+              <a:t>12/29/2025</a:t>
             </a:fld>
             <a:endParaRPr lang="en-US" dirty="0"/>
           </a:p>
@@ -7624,7 +8002,7 @@
           <a:p>
             <a:fld id="{48A87A34-81AB-432B-8DAE-1953F412C126}" type="datetimeFigureOut">
               <a:rPr lang="en-US" dirty="0"/>
-              <a:t>12/3/2025</a:t>
+              <a:t>12/29/2025</a:t>
             </a:fld>
             <a:endParaRPr lang="en-US" dirty="0"/>
           </a:p>
@@ -7848,7 +8226,7 @@
           <a:p>
             <a:fld id="{48A87A34-81AB-432B-8DAE-1953F412C126}" type="datetimeFigureOut">
               <a:rPr lang="en-US" dirty="0"/>
-              <a:t>12/3/2025</a:t>
+              <a:t>12/29/2025</a:t>
             </a:fld>
             <a:endParaRPr lang="en-US" dirty="0"/>
           </a:p>
@@ -8221,7 +8599,7 @@
           <a:p>
             <a:fld id="{48A87A34-81AB-432B-8DAE-1953F412C126}" type="datetimeFigureOut">
               <a:rPr lang="en-US" dirty="0"/>
-              <a:t>12/3/2025</a:t>
+              <a:t>12/29/2025</a:t>
             </a:fld>
             <a:endParaRPr lang="en-US" dirty="0"/>
           </a:p>
@@ -8333,7 +8711,7 @@
           <a:p>
             <a:fld id="{48A87A34-81AB-432B-8DAE-1953F412C126}" type="datetimeFigureOut">
               <a:rPr lang="en-US" dirty="0"/>
-              <a:t>12/3/2025</a:t>
+              <a:t>12/29/2025</a:t>
             </a:fld>
             <a:endParaRPr lang="en-US" dirty="0"/>
           </a:p>
@@ -8423,7 +8801,7 @@
           <a:p>
             <a:fld id="{48A87A34-81AB-432B-8DAE-1953F412C126}" type="datetimeFigureOut">
               <a:rPr lang="en-US" dirty="0"/>
-              <a:t>12/3/2025</a:t>
+              <a:t>12/29/2025</a:t>
             </a:fld>
             <a:endParaRPr lang="en-US" dirty="0"/>
           </a:p>
@@ -8665,7 +9043,7 @@
           <a:p>
             <a:fld id="{48A87A34-81AB-432B-8DAE-1953F412C126}" type="datetimeFigureOut">
               <a:rPr lang="en-US" dirty="0"/>
-              <a:t>12/3/2025</a:t>
+              <a:t>12/29/2025</a:t>
             </a:fld>
             <a:endParaRPr lang="en-US" dirty="0"/>
           </a:p>
@@ -8938,7 +9316,7 @@
           <a:p>
             <a:fld id="{48A87A34-81AB-432B-8DAE-1953F412C126}" type="datetimeFigureOut">
               <a:rPr lang="en-US" dirty="0"/>
-              <a:t>12/3/2025</a:t>
+              <a:t>12/29/2025</a:t>
             </a:fld>
             <a:endParaRPr lang="en-US" dirty="0"/>
           </a:p>
@@ -9049,7 +9427,7 @@
           <a:noFill/>
           <a:extLst>
             <a:ext uri="{909E8E84-426E-40dd-AFC4-6F175D3DCCD1}">
-              <a14:hiddenFill xmlns:a14="http://schemas.microsoft.com/office/drawing/2010/main" xmlns="">
+              <a14:hiddenFill xmlns="" xmlns:a14="http://schemas.microsoft.com/office/drawing/2010/main">
                 <a:solidFill>
                   <a:srgbClr val="FFFFFF"/>
                 </a:solidFill>
@@ -9123,7 +9501,7 @@
               </a:ln>
               <a:extLst>
                 <a:ext uri="{91240B29-F687-4f45-9708-019B960494DF}">
-                  <a14:hiddenLine xmlns:a14="http://schemas.microsoft.com/office/drawing/2010/main" xmlns="" w="9525">
+                  <a14:hiddenLine xmlns="" xmlns:a14="http://schemas.microsoft.com/office/drawing/2010/main" w="9525">
                     <a:solidFill>
                       <a:srgbClr val="000000"/>
                     </a:solidFill>
@@ -9134,6 +9512,13 @@
                 </a:ext>
               </a:extLst>
             </p:spPr>
+            <p:txBody>
+              <a:bodyPr/>
+              <a:lstStyle/>
+              <a:p>
+                <a:endParaRPr lang="en-IN"/>
+              </a:p>
+            </p:txBody>
           </p:sp>
           <p:sp>
             <p:nvSpPr>
@@ -9213,7 +9598,7 @@
               </a:ln>
               <a:extLst>
                 <a:ext uri="{91240B29-F687-4f45-9708-019B960494DF}">
-                  <a14:hiddenLine xmlns:a14="http://schemas.microsoft.com/office/drawing/2010/main" xmlns="" w="9525">
+                  <a14:hiddenLine xmlns="" xmlns:a14="http://schemas.microsoft.com/office/drawing/2010/main" w="9525">
                     <a:solidFill>
                       <a:srgbClr val="000000"/>
                     </a:solidFill>
@@ -9224,6 +9609,13 @@
                 </a:ext>
               </a:extLst>
             </p:spPr>
+            <p:txBody>
+              <a:bodyPr/>
+              <a:lstStyle/>
+              <a:p>
+                <a:endParaRPr lang="en-IN"/>
+              </a:p>
+            </p:txBody>
           </p:sp>
           <p:sp>
             <p:nvSpPr>
@@ -9303,7 +9695,7 @@
               </a:ln>
               <a:extLst>
                 <a:ext uri="{91240B29-F687-4f45-9708-019B960494DF}">
-                  <a14:hiddenLine xmlns:a14="http://schemas.microsoft.com/office/drawing/2010/main" xmlns="" w="9525">
+                  <a14:hiddenLine xmlns="" xmlns:a14="http://schemas.microsoft.com/office/drawing/2010/main" w="9525">
                     <a:solidFill>
                       <a:srgbClr val="000000"/>
                     </a:solidFill>
@@ -9314,6 +9706,13 @@
                 </a:ext>
               </a:extLst>
             </p:spPr>
+            <p:txBody>
+              <a:bodyPr/>
+              <a:lstStyle/>
+              <a:p>
+                <a:endParaRPr lang="en-IN"/>
+              </a:p>
+            </p:txBody>
           </p:sp>
           <p:sp>
             <p:nvSpPr>
@@ -9365,7 +9764,7 @@
               </a:ln>
               <a:extLst>
                 <a:ext uri="{91240B29-F687-4f45-9708-019B960494DF}">
-                  <a14:hiddenLine xmlns:a14="http://schemas.microsoft.com/office/drawing/2010/main" xmlns="" w="9525">
+                  <a14:hiddenLine xmlns="" xmlns:a14="http://schemas.microsoft.com/office/drawing/2010/main" w="9525">
                     <a:solidFill>
                       <a:srgbClr val="000000"/>
                     </a:solidFill>
@@ -9376,6 +9775,13 @@
                 </a:ext>
               </a:extLst>
             </p:spPr>
+            <p:txBody>
+              <a:bodyPr/>
+              <a:lstStyle/>
+              <a:p>
+                <a:endParaRPr lang="en-IN"/>
+              </a:p>
+            </p:txBody>
           </p:sp>
           <p:sp>
             <p:nvSpPr>
@@ -9455,7 +9861,7 @@
               </a:ln>
               <a:extLst>
                 <a:ext uri="{91240B29-F687-4f45-9708-019B960494DF}">
-                  <a14:hiddenLine xmlns:a14="http://schemas.microsoft.com/office/drawing/2010/main" xmlns="" w="9525">
+                  <a14:hiddenLine xmlns="" xmlns:a14="http://schemas.microsoft.com/office/drawing/2010/main" w="9525">
                     <a:solidFill>
                       <a:srgbClr val="000000"/>
                     </a:solidFill>
@@ -9466,6 +9872,13 @@
                 </a:ext>
               </a:extLst>
             </p:spPr>
+            <p:txBody>
+              <a:bodyPr/>
+              <a:lstStyle/>
+              <a:p>
+                <a:endParaRPr lang="en-IN"/>
+              </a:p>
+            </p:txBody>
           </p:sp>
           <p:sp>
             <p:nvSpPr>
@@ -9517,7 +9930,7 @@
               </a:ln>
               <a:extLst>
                 <a:ext uri="{91240B29-F687-4f45-9708-019B960494DF}">
-                  <a14:hiddenLine xmlns:a14="http://schemas.microsoft.com/office/drawing/2010/main" xmlns="" w="9525">
+                  <a14:hiddenLine xmlns="" xmlns:a14="http://schemas.microsoft.com/office/drawing/2010/main" w="9525">
                     <a:solidFill>
                       <a:srgbClr val="000000"/>
                     </a:solidFill>
@@ -9528,6 +9941,13 @@
                 </a:ext>
               </a:extLst>
             </p:spPr>
+            <p:txBody>
+              <a:bodyPr/>
+              <a:lstStyle/>
+              <a:p>
+                <a:endParaRPr lang="en-IN"/>
+              </a:p>
+            </p:txBody>
           </p:sp>
           <p:sp>
             <p:nvSpPr>
@@ -9579,7 +9999,7 @@
               </a:ln>
               <a:extLst>
                 <a:ext uri="{91240B29-F687-4f45-9708-019B960494DF}">
-                  <a14:hiddenLine xmlns:a14="http://schemas.microsoft.com/office/drawing/2010/main" xmlns="" w="9525">
+                  <a14:hiddenLine xmlns="" xmlns:a14="http://schemas.microsoft.com/office/drawing/2010/main" w="9525">
                     <a:solidFill>
                       <a:srgbClr val="000000"/>
                     </a:solidFill>
@@ -9590,6 +10010,13 @@
                 </a:ext>
               </a:extLst>
             </p:spPr>
+            <p:txBody>
+              <a:bodyPr/>
+              <a:lstStyle/>
+              <a:p>
+                <a:endParaRPr lang="en-IN"/>
+              </a:p>
+            </p:txBody>
           </p:sp>
           <p:sp>
             <p:nvSpPr>
@@ -9669,7 +10096,7 @@
               </a:ln>
               <a:extLst>
                 <a:ext uri="{91240B29-F687-4f45-9708-019B960494DF}">
-                  <a14:hiddenLine xmlns:a14="http://schemas.microsoft.com/office/drawing/2010/main" xmlns="" w="9525">
+                  <a14:hiddenLine xmlns="" xmlns:a14="http://schemas.microsoft.com/office/drawing/2010/main" w="9525">
                     <a:solidFill>
                       <a:srgbClr val="000000"/>
                     </a:solidFill>
@@ -9680,6 +10107,13 @@
                 </a:ext>
               </a:extLst>
             </p:spPr>
+            <p:txBody>
+              <a:bodyPr/>
+              <a:lstStyle/>
+              <a:p>
+                <a:endParaRPr lang="en-IN"/>
+              </a:p>
+            </p:txBody>
           </p:sp>
           <p:sp>
             <p:nvSpPr>
@@ -9759,7 +10193,7 @@
               </a:ln>
               <a:extLst>
                 <a:ext uri="{91240B29-F687-4f45-9708-019B960494DF}">
-                  <a14:hiddenLine xmlns:a14="http://schemas.microsoft.com/office/drawing/2010/main" xmlns="" w="9525">
+                  <a14:hiddenLine xmlns="" xmlns:a14="http://schemas.microsoft.com/office/drawing/2010/main" w="9525">
                     <a:solidFill>
                       <a:srgbClr val="000000"/>
                     </a:solidFill>
@@ -9770,6 +10204,13 @@
                 </a:ext>
               </a:extLst>
             </p:spPr>
+            <p:txBody>
+              <a:bodyPr/>
+              <a:lstStyle/>
+              <a:p>
+                <a:endParaRPr lang="en-IN"/>
+              </a:p>
+            </p:txBody>
           </p:sp>
           <p:sp>
             <p:nvSpPr>
@@ -9821,7 +10262,7 @@
               </a:ln>
               <a:extLst>
                 <a:ext uri="{91240B29-F687-4f45-9708-019B960494DF}">
-                  <a14:hiddenLine xmlns:a14="http://schemas.microsoft.com/office/drawing/2010/main" xmlns="" w="9525">
+                  <a14:hiddenLine xmlns="" xmlns:a14="http://schemas.microsoft.com/office/drawing/2010/main" w="9525">
                     <a:solidFill>
                       <a:srgbClr val="000000"/>
                     </a:solidFill>
@@ -9832,6 +10273,13 @@
                 </a:ext>
               </a:extLst>
             </p:spPr>
+            <p:txBody>
+              <a:bodyPr/>
+              <a:lstStyle/>
+              <a:p>
+                <a:endParaRPr lang="en-IN"/>
+              </a:p>
+            </p:txBody>
           </p:sp>
           <p:sp>
             <p:nvSpPr>
@@ -9931,7 +10379,7 @@
               </a:ln>
               <a:extLst>
                 <a:ext uri="{91240B29-F687-4f45-9708-019B960494DF}">
-                  <a14:hiddenLine xmlns:a14="http://schemas.microsoft.com/office/drawing/2010/main" xmlns="" w="9525">
+                  <a14:hiddenLine xmlns="" xmlns:a14="http://schemas.microsoft.com/office/drawing/2010/main" w="9525">
                     <a:solidFill>
                       <a:srgbClr val="000000"/>
                     </a:solidFill>
@@ -9942,6 +10390,13 @@
                 </a:ext>
               </a:extLst>
             </p:spPr>
+            <p:txBody>
+              <a:bodyPr/>
+              <a:lstStyle/>
+              <a:p>
+                <a:endParaRPr lang="en-IN"/>
+              </a:p>
+            </p:txBody>
           </p:sp>
           <p:sp>
             <p:nvSpPr>
@@ -9970,6 +10425,13 @@
                 <a:tailEnd/>
               </a:ln>
             </p:spPr>
+            <p:txBody>
+              <a:bodyPr/>
+              <a:lstStyle/>
+              <a:p>
+                <a:endParaRPr lang="en-IN"/>
+              </a:p>
+            </p:txBody>
           </p:sp>
           <p:sp>
             <p:nvSpPr>
@@ -10015,7 +10477,7 @@
               </a:ln>
               <a:extLst>
                 <a:ext uri="{91240B29-F687-4f45-9708-019B960494DF}">
-                  <a14:hiddenLine xmlns:a14="http://schemas.microsoft.com/office/drawing/2010/main" xmlns="" w="9525">
+                  <a14:hiddenLine xmlns="" xmlns:a14="http://schemas.microsoft.com/office/drawing/2010/main" w="9525">
                     <a:solidFill>
                       <a:srgbClr val="000000"/>
                     </a:solidFill>
@@ -10026,6 +10488,13 @@
                 </a:ext>
               </a:extLst>
             </p:spPr>
+            <p:txBody>
+              <a:bodyPr/>
+              <a:lstStyle/>
+              <a:p>
+                <a:endParaRPr lang="en-IN"/>
+              </a:p>
+            </p:txBody>
           </p:sp>
           <p:sp>
             <p:nvSpPr>
@@ -10077,7 +10546,7 @@
               </a:ln>
               <a:extLst>
                 <a:ext uri="{91240B29-F687-4f45-9708-019B960494DF}">
-                  <a14:hiddenLine xmlns:a14="http://schemas.microsoft.com/office/drawing/2010/main" xmlns="" w="9525">
+                  <a14:hiddenLine xmlns="" xmlns:a14="http://schemas.microsoft.com/office/drawing/2010/main" w="9525">
                     <a:solidFill>
                       <a:srgbClr val="000000"/>
                     </a:solidFill>
@@ -10088,6 +10557,13 @@
                 </a:ext>
               </a:extLst>
             </p:spPr>
+            <p:txBody>
+              <a:bodyPr/>
+              <a:lstStyle/>
+              <a:p>
+                <a:endParaRPr lang="en-IN"/>
+              </a:p>
+            </p:txBody>
           </p:sp>
           <p:sp>
             <p:nvSpPr>
@@ -10139,7 +10615,7 @@
               </a:ln>
               <a:extLst>
                 <a:ext uri="{91240B29-F687-4f45-9708-019B960494DF}">
-                  <a14:hiddenLine xmlns:a14="http://schemas.microsoft.com/office/drawing/2010/main" xmlns="" w="9525">
+                  <a14:hiddenLine xmlns="" xmlns:a14="http://schemas.microsoft.com/office/drawing/2010/main" w="9525">
                     <a:solidFill>
                       <a:srgbClr val="000000"/>
                     </a:solidFill>
@@ -10150,6 +10626,13 @@
                 </a:ext>
               </a:extLst>
             </p:spPr>
+            <p:txBody>
+              <a:bodyPr/>
+              <a:lstStyle/>
+              <a:p>
+                <a:endParaRPr lang="en-IN"/>
+              </a:p>
+            </p:txBody>
           </p:sp>
           <p:sp>
             <p:nvSpPr>
@@ -10229,7 +10712,7 @@
               </a:ln>
               <a:extLst>
                 <a:ext uri="{91240B29-F687-4f45-9708-019B960494DF}">
-                  <a14:hiddenLine xmlns:a14="http://schemas.microsoft.com/office/drawing/2010/main" xmlns="" w="9525">
+                  <a14:hiddenLine xmlns="" xmlns:a14="http://schemas.microsoft.com/office/drawing/2010/main" w="9525">
                     <a:solidFill>
                       <a:srgbClr val="000000"/>
                     </a:solidFill>
@@ -10240,6 +10723,13 @@
                 </a:ext>
               </a:extLst>
             </p:spPr>
+            <p:txBody>
+              <a:bodyPr/>
+              <a:lstStyle/>
+              <a:p>
+                <a:endParaRPr lang="en-IN"/>
+              </a:p>
+            </p:txBody>
           </p:sp>
           <p:sp>
             <p:nvSpPr>
@@ -10263,7 +10753,7 @@
               </a:ln>
               <a:extLst>
                 <a:ext uri="{91240B29-F687-4f45-9708-019B960494DF}">
-                  <a14:hiddenLine xmlns:a14="http://schemas.microsoft.com/office/drawing/2010/main" xmlns="" w="9525">
+                  <a14:hiddenLine xmlns="" xmlns:a14="http://schemas.microsoft.com/office/drawing/2010/main" w="9525">
                     <a:solidFill>
                       <a:srgbClr val="000000"/>
                     </a:solidFill>
@@ -10274,6 +10764,13 @@
                 </a:ext>
               </a:extLst>
             </p:spPr>
+            <p:txBody>
+              <a:bodyPr/>
+              <a:lstStyle/>
+              <a:p>
+                <a:endParaRPr lang="en-IN"/>
+              </a:p>
+            </p:txBody>
           </p:sp>
           <p:sp>
             <p:nvSpPr>
@@ -10328,7 +10825,7 @@
               </a:ln>
               <a:extLst>
                 <a:ext uri="{91240B29-F687-4f45-9708-019B960494DF}">
-                  <a14:hiddenLine xmlns:a14="http://schemas.microsoft.com/office/drawing/2010/main" xmlns="" w="9525">
+                  <a14:hiddenLine xmlns="" xmlns:a14="http://schemas.microsoft.com/office/drawing/2010/main" w="9525">
                     <a:solidFill>
                       <a:srgbClr val="000000"/>
                     </a:solidFill>
@@ -10339,6 +10836,13 @@
                 </a:ext>
               </a:extLst>
             </p:spPr>
+            <p:txBody>
+              <a:bodyPr/>
+              <a:lstStyle/>
+              <a:p>
+                <a:endParaRPr lang="en-IN"/>
+              </a:p>
+            </p:txBody>
           </p:sp>
           <p:sp>
             <p:nvSpPr>
@@ -10418,7 +10922,7 @@
               </a:ln>
               <a:extLst>
                 <a:ext uri="{91240B29-F687-4f45-9708-019B960494DF}">
-                  <a14:hiddenLine xmlns:a14="http://schemas.microsoft.com/office/drawing/2010/main" xmlns="" w="9525">
+                  <a14:hiddenLine xmlns="" xmlns:a14="http://schemas.microsoft.com/office/drawing/2010/main" w="9525">
                     <a:solidFill>
                       <a:srgbClr val="000000"/>
                     </a:solidFill>
@@ -10429,6 +10933,13 @@
                 </a:ext>
               </a:extLst>
             </p:spPr>
+            <p:txBody>
+              <a:bodyPr/>
+              <a:lstStyle/>
+              <a:p>
+                <a:endParaRPr lang="en-IN"/>
+              </a:p>
+            </p:txBody>
           </p:sp>
           <p:sp>
             <p:nvSpPr>
@@ -10480,7 +10991,7 @@
               </a:ln>
               <a:extLst>
                 <a:ext uri="{91240B29-F687-4f45-9708-019B960494DF}">
-                  <a14:hiddenLine xmlns:a14="http://schemas.microsoft.com/office/drawing/2010/main" xmlns="" w="9525">
+                  <a14:hiddenLine xmlns="" xmlns:a14="http://schemas.microsoft.com/office/drawing/2010/main" w="9525">
                     <a:solidFill>
                       <a:srgbClr val="000000"/>
                     </a:solidFill>
@@ -10491,6 +11002,13 @@
                 </a:ext>
               </a:extLst>
             </p:spPr>
+            <p:txBody>
+              <a:bodyPr/>
+              <a:lstStyle/>
+              <a:p>
+                <a:endParaRPr lang="en-IN"/>
+              </a:p>
+            </p:txBody>
           </p:sp>
           <p:sp>
             <p:nvSpPr>
@@ -10570,7 +11088,7 @@
               </a:ln>
               <a:extLst>
                 <a:ext uri="{91240B29-F687-4f45-9708-019B960494DF}">
-                  <a14:hiddenLine xmlns:a14="http://schemas.microsoft.com/office/drawing/2010/main" xmlns="" w="9525">
+                  <a14:hiddenLine xmlns="" xmlns:a14="http://schemas.microsoft.com/office/drawing/2010/main" w="9525">
                     <a:solidFill>
                       <a:srgbClr val="000000"/>
                     </a:solidFill>
@@ -10581,6 +11099,13 @@
                 </a:ext>
               </a:extLst>
             </p:spPr>
+            <p:txBody>
+              <a:bodyPr/>
+              <a:lstStyle/>
+              <a:p>
+                <a:endParaRPr lang="en-IN"/>
+              </a:p>
+            </p:txBody>
           </p:sp>
           <p:sp>
             <p:nvSpPr>
@@ -10635,7 +11160,7 @@
               </a:ln>
               <a:extLst>
                 <a:ext uri="{91240B29-F687-4f45-9708-019B960494DF}">
-                  <a14:hiddenLine xmlns:a14="http://schemas.microsoft.com/office/drawing/2010/main" xmlns="" w="9525">
+                  <a14:hiddenLine xmlns="" xmlns:a14="http://schemas.microsoft.com/office/drawing/2010/main" w="9525">
                     <a:solidFill>
                       <a:srgbClr val="000000"/>
                     </a:solidFill>
@@ -10646,6 +11171,13 @@
                 </a:ext>
               </a:extLst>
             </p:spPr>
+            <p:txBody>
+              <a:bodyPr/>
+              <a:lstStyle/>
+              <a:p>
+                <a:endParaRPr lang="en-IN"/>
+              </a:p>
+            </p:txBody>
           </p:sp>
           <p:sp>
             <p:nvSpPr>
@@ -10697,7 +11229,7 @@
               </a:ln>
               <a:extLst>
                 <a:ext uri="{91240B29-F687-4f45-9708-019B960494DF}">
-                  <a14:hiddenLine xmlns:a14="http://schemas.microsoft.com/office/drawing/2010/main" xmlns="" w="9525">
+                  <a14:hiddenLine xmlns="" xmlns:a14="http://schemas.microsoft.com/office/drawing/2010/main" w="9525">
                     <a:solidFill>
                       <a:srgbClr val="000000"/>
                     </a:solidFill>
@@ -10708,6 +11240,13 @@
                 </a:ext>
               </a:extLst>
             </p:spPr>
+            <p:txBody>
+              <a:bodyPr/>
+              <a:lstStyle/>
+              <a:p>
+                <a:endParaRPr lang="en-IN"/>
+              </a:p>
+            </p:txBody>
           </p:sp>
           <p:sp>
             <p:nvSpPr>
@@ -10787,7 +11326,7 @@
               </a:ln>
               <a:extLst>
                 <a:ext uri="{91240B29-F687-4f45-9708-019B960494DF}">
-                  <a14:hiddenLine xmlns:a14="http://schemas.microsoft.com/office/drawing/2010/main" xmlns="" w="9525">
+                  <a14:hiddenLine xmlns="" xmlns:a14="http://schemas.microsoft.com/office/drawing/2010/main" w="9525">
                     <a:solidFill>
                       <a:srgbClr val="000000"/>
                     </a:solidFill>
@@ -10798,6 +11337,13 @@
                 </a:ext>
               </a:extLst>
             </p:spPr>
+            <p:txBody>
+              <a:bodyPr/>
+              <a:lstStyle/>
+              <a:p>
+                <a:endParaRPr lang="en-IN"/>
+              </a:p>
+            </p:txBody>
           </p:sp>
           <p:sp>
             <p:nvSpPr>
@@ -10877,7 +11423,7 @@
               </a:ln>
               <a:extLst>
                 <a:ext uri="{91240B29-F687-4f45-9708-019B960494DF}">
-                  <a14:hiddenLine xmlns:a14="http://schemas.microsoft.com/office/drawing/2010/main" xmlns="" w="9525">
+                  <a14:hiddenLine xmlns="" xmlns:a14="http://schemas.microsoft.com/office/drawing/2010/main" w="9525">
                     <a:solidFill>
                       <a:srgbClr val="000000"/>
                     </a:solidFill>
@@ -10888,6 +11434,13 @@
                 </a:ext>
               </a:extLst>
             </p:spPr>
+            <p:txBody>
+              <a:bodyPr/>
+              <a:lstStyle/>
+              <a:p>
+                <a:endParaRPr lang="en-IN"/>
+              </a:p>
+            </p:txBody>
           </p:sp>
           <p:sp>
             <p:nvSpPr>
@@ -10942,7 +11495,7 @@
               </a:ln>
               <a:extLst>
                 <a:ext uri="{91240B29-F687-4f45-9708-019B960494DF}">
-                  <a14:hiddenLine xmlns:a14="http://schemas.microsoft.com/office/drawing/2010/main" xmlns="" w="9525">
+                  <a14:hiddenLine xmlns="" xmlns:a14="http://schemas.microsoft.com/office/drawing/2010/main" w="9525">
                     <a:solidFill>
                       <a:srgbClr val="000000"/>
                     </a:solidFill>
@@ -10953,6 +11506,13 @@
                 </a:ext>
               </a:extLst>
             </p:spPr>
+            <p:txBody>
+              <a:bodyPr/>
+              <a:lstStyle/>
+              <a:p>
+                <a:endParaRPr lang="en-IN"/>
+              </a:p>
+            </p:txBody>
           </p:sp>
           <p:sp>
             <p:nvSpPr>
@@ -11062,7 +11622,7 @@
               </a:ln>
               <a:extLst>
                 <a:ext uri="{91240B29-F687-4f45-9708-019B960494DF}">
-                  <a14:hiddenLine xmlns:a14="http://schemas.microsoft.com/office/drawing/2010/main" xmlns="" w="9525">
+                  <a14:hiddenLine xmlns="" xmlns:a14="http://schemas.microsoft.com/office/drawing/2010/main" w="9525">
                     <a:solidFill>
                       <a:srgbClr val="000000"/>
                     </a:solidFill>
@@ -11073,6 +11633,13 @@
                 </a:ext>
               </a:extLst>
             </p:spPr>
+            <p:txBody>
+              <a:bodyPr/>
+              <a:lstStyle/>
+              <a:p>
+                <a:endParaRPr lang="en-IN"/>
+              </a:p>
+            </p:txBody>
           </p:sp>
         </p:grpSp>
         <p:grpSp>
@@ -11160,7 +11727,7 @@
               </a:ln>
               <a:extLst>
                 <a:ext uri="{91240B29-F687-4f45-9708-019B960494DF}">
-                  <a14:hiddenLine xmlns:a14="http://schemas.microsoft.com/office/drawing/2010/main" xmlns="" w="9525">
+                  <a14:hiddenLine xmlns="" xmlns:a14="http://schemas.microsoft.com/office/drawing/2010/main" w="9525">
                     <a:solidFill>
                       <a:srgbClr val="000000"/>
                     </a:solidFill>
@@ -11171,6 +11738,13 @@
                 </a:ext>
               </a:extLst>
             </p:spPr>
+            <p:txBody>
+              <a:bodyPr/>
+              <a:lstStyle/>
+              <a:p>
+                <a:endParaRPr lang="en-IN"/>
+              </a:p>
+            </p:txBody>
           </p:sp>
           <p:sp>
             <p:nvSpPr>
@@ -11275,7 +11849,7 @@
               </a:ln>
               <a:extLst>
                 <a:ext uri="{91240B29-F687-4f45-9708-019B960494DF}">
-                  <a14:hiddenLine xmlns:a14="http://schemas.microsoft.com/office/drawing/2010/main" xmlns="" w="9525">
+                  <a14:hiddenLine xmlns="" xmlns:a14="http://schemas.microsoft.com/office/drawing/2010/main" w="9525">
                     <a:solidFill>
                       <a:srgbClr val="000000"/>
                     </a:solidFill>
@@ -11286,6 +11860,13 @@
                 </a:ext>
               </a:extLst>
             </p:spPr>
+            <p:txBody>
+              <a:bodyPr/>
+              <a:lstStyle/>
+              <a:p>
+                <a:endParaRPr lang="en-IN"/>
+              </a:p>
+            </p:txBody>
           </p:sp>
           <p:sp>
             <p:nvSpPr>
@@ -11365,7 +11946,7 @@
               </a:ln>
               <a:extLst>
                 <a:ext uri="{91240B29-F687-4f45-9708-019B960494DF}">
-                  <a14:hiddenLine xmlns:a14="http://schemas.microsoft.com/office/drawing/2010/main" xmlns="" w="9525">
+                  <a14:hiddenLine xmlns="" xmlns:a14="http://schemas.microsoft.com/office/drawing/2010/main" w="9525">
                     <a:solidFill>
                       <a:srgbClr val="000000"/>
                     </a:solidFill>
@@ -11376,6 +11957,13 @@
                 </a:ext>
               </a:extLst>
             </p:spPr>
+            <p:txBody>
+              <a:bodyPr/>
+              <a:lstStyle/>
+              <a:p>
+                <a:endParaRPr lang="en-IN"/>
+              </a:p>
+            </p:txBody>
           </p:sp>
           <p:sp>
             <p:nvSpPr>
@@ -11430,7 +12018,7 @@
               </a:ln>
               <a:extLst>
                 <a:ext uri="{91240B29-F687-4f45-9708-019B960494DF}">
-                  <a14:hiddenLine xmlns:a14="http://schemas.microsoft.com/office/drawing/2010/main" xmlns="" w="9525">
+                  <a14:hiddenLine xmlns="" xmlns:a14="http://schemas.microsoft.com/office/drawing/2010/main" w="9525">
                     <a:solidFill>
                       <a:srgbClr val="000000"/>
                     </a:solidFill>
@@ -11441,6 +12029,13 @@
                 </a:ext>
               </a:extLst>
             </p:spPr>
+            <p:txBody>
+              <a:bodyPr/>
+              <a:lstStyle/>
+              <a:p>
+                <a:endParaRPr lang="en-IN"/>
+              </a:p>
+            </p:txBody>
           </p:sp>
           <p:sp>
             <p:nvSpPr>
@@ -11520,7 +12115,7 @@
               </a:ln>
               <a:extLst>
                 <a:ext uri="{91240B29-F687-4f45-9708-019B960494DF}">
-                  <a14:hiddenLine xmlns:a14="http://schemas.microsoft.com/office/drawing/2010/main" xmlns="" w="9525">
+                  <a14:hiddenLine xmlns="" xmlns:a14="http://schemas.microsoft.com/office/drawing/2010/main" w="9525">
                     <a:solidFill>
                       <a:srgbClr val="000000"/>
                     </a:solidFill>
@@ -11531,6 +12126,13 @@
                 </a:ext>
               </a:extLst>
             </p:spPr>
+            <p:txBody>
+              <a:bodyPr/>
+              <a:lstStyle/>
+              <a:p>
+                <a:endParaRPr lang="en-IN"/>
+              </a:p>
+            </p:txBody>
           </p:sp>
           <p:sp>
             <p:nvSpPr>
@@ -11588,7 +12190,7 @@
               </a:ln>
               <a:extLst>
                 <a:ext uri="{91240B29-F687-4f45-9708-019B960494DF}">
-                  <a14:hiddenLine xmlns:a14="http://schemas.microsoft.com/office/drawing/2010/main" xmlns="" w="9525">
+                  <a14:hiddenLine xmlns="" xmlns:a14="http://schemas.microsoft.com/office/drawing/2010/main" w="9525">
                     <a:solidFill>
                       <a:srgbClr val="000000"/>
                     </a:solidFill>
@@ -11599,6 +12201,13 @@
                 </a:ext>
               </a:extLst>
             </p:spPr>
+            <p:txBody>
+              <a:bodyPr/>
+              <a:lstStyle/>
+              <a:p>
+                <a:endParaRPr lang="en-IN"/>
+              </a:p>
+            </p:txBody>
           </p:sp>
           <p:sp>
             <p:nvSpPr>
@@ -11678,7 +12287,7 @@
               </a:ln>
               <a:extLst>
                 <a:ext uri="{91240B29-F687-4f45-9708-019B960494DF}">
-                  <a14:hiddenLine xmlns:a14="http://schemas.microsoft.com/office/drawing/2010/main" xmlns="" w="9525">
+                  <a14:hiddenLine xmlns="" xmlns:a14="http://schemas.microsoft.com/office/drawing/2010/main" w="9525">
                     <a:solidFill>
                       <a:srgbClr val="000000"/>
                     </a:solidFill>
@@ -11689,6 +12298,13 @@
                 </a:ext>
               </a:extLst>
             </p:spPr>
+            <p:txBody>
+              <a:bodyPr/>
+              <a:lstStyle/>
+              <a:p>
+                <a:endParaRPr lang="en-IN"/>
+              </a:p>
+            </p:txBody>
           </p:sp>
           <p:sp>
             <p:nvSpPr>
@@ -11746,7 +12362,7 @@
               </a:ln>
               <a:extLst>
                 <a:ext uri="{91240B29-F687-4f45-9708-019B960494DF}">
-                  <a14:hiddenLine xmlns:a14="http://schemas.microsoft.com/office/drawing/2010/main" xmlns="" w="9525">
+                  <a14:hiddenLine xmlns="" xmlns:a14="http://schemas.microsoft.com/office/drawing/2010/main" w="9525">
                     <a:solidFill>
                       <a:srgbClr val="000000"/>
                     </a:solidFill>
@@ -11757,6 +12373,13 @@
                 </a:ext>
               </a:extLst>
             </p:spPr>
+            <p:txBody>
+              <a:bodyPr/>
+              <a:lstStyle/>
+              <a:p>
+                <a:endParaRPr lang="en-IN"/>
+              </a:p>
+            </p:txBody>
           </p:sp>
           <p:sp>
             <p:nvSpPr>
@@ -11836,7 +12459,7 @@
               </a:ln>
               <a:extLst>
                 <a:ext uri="{91240B29-F687-4f45-9708-019B960494DF}">
-                  <a14:hiddenLine xmlns:a14="http://schemas.microsoft.com/office/drawing/2010/main" xmlns="" w="9525">
+                  <a14:hiddenLine xmlns="" xmlns:a14="http://schemas.microsoft.com/office/drawing/2010/main" w="9525">
                     <a:solidFill>
                       <a:srgbClr val="000000"/>
                     </a:solidFill>
@@ -11847,6 +12470,13 @@
                 </a:ext>
               </a:extLst>
             </p:spPr>
+            <p:txBody>
+              <a:bodyPr/>
+              <a:lstStyle/>
+              <a:p>
+                <a:endParaRPr lang="en-IN"/>
+              </a:p>
+            </p:txBody>
           </p:sp>
           <p:sp>
             <p:nvSpPr>
@@ -11870,7 +12500,7 @@
               </a:ln>
               <a:extLst>
                 <a:ext uri="{91240B29-F687-4f45-9708-019B960494DF}">
-                  <a14:hiddenLine xmlns:a14="http://schemas.microsoft.com/office/drawing/2010/main" xmlns="" w="9525">
+                  <a14:hiddenLine xmlns="" xmlns:a14="http://schemas.microsoft.com/office/drawing/2010/main" w="9525">
                     <a:solidFill>
                       <a:srgbClr val="000000"/>
                     </a:solidFill>
@@ -11881,6 +12511,13 @@
                 </a:ext>
               </a:extLst>
             </p:spPr>
+            <p:txBody>
+              <a:bodyPr/>
+              <a:lstStyle/>
+              <a:p>
+                <a:endParaRPr lang="en-IN"/>
+              </a:p>
+            </p:txBody>
           </p:sp>
         </p:grpSp>
       </p:grpSp>
@@ -12010,7 +12647,7 @@
             <a:fld id="{48A87A34-81AB-432B-8DAE-1953F412C126}" type="datetimeFigureOut">
               <a:rPr lang="en-US" dirty="0"/>
               <a:pPr/>
-              <a:t>12/3/2025</a:t>
+              <a:t>12/29/2025</a:t>
             </a:fld>
             <a:endParaRPr lang="en-US" dirty="0"/>
           </a:p>
@@ -13014,7 +13651,10 @@
           <a:bodyPr/>
           <a:lstStyle/>
           <a:p>
-            <a:endParaRPr lang="en-US"/>
+            <a:r>
+              <a:rPr lang="en-US"/>
+              <a:t>jvjsdnv</a:t>
+            </a:r>
           </a:p>
         </p:txBody>
       </p:sp>
